--- a/docs/azworkshop-azpipelines-dockerimg-appservice.pptx
+++ b/docs/azworkshop-azpipelines-dockerimg-appservice.pptx
@@ -166,7 +166,7 @@
 <file path=ppt/revisionInfo.xml><?xml version="1.0" encoding="utf-8"?>
 <p1510:revInfo xmlns:a="http://schemas.openxmlformats.org/drawingml/2006/main" xmlns:r="http://schemas.openxmlformats.org/officeDocument/2006/relationships" xmlns:p1510="http://schemas.microsoft.com/office/powerpoint/2015/10/main">
   <p1510:revLst>
-    <p1510:client id="{C6932BD4-7A9F-4079-BDC2-F0C01660A51F}" v="50" dt="2020-07-26T16:15:22.463"/>
+    <p1510:client id="{C6932BD4-7A9F-4079-BDC2-F0C01660A51F}" v="76" dt="2020-07-31T12:47:27.285"/>
   </p1510:revLst>
 </p1510:revInfo>
 </file>
@@ -176,7 +176,7 @@
   <pc:docChgLst>
     <pc:chgData name="Thanh Nguyen" userId="ee4c66f2-a343-4a69-b777-27146cf6ce9f" providerId="ADAL" clId="{C6932BD4-7A9F-4079-BDC2-F0C01660A51F}"/>
     <pc:docChg chg="undo custSel mod addSld delSld modSld delSection modSection">
-      <pc:chgData name="Thanh Nguyen" userId="ee4c66f2-a343-4a69-b777-27146cf6ce9f" providerId="ADAL" clId="{C6932BD4-7A9F-4079-BDC2-F0C01660A51F}" dt="2020-07-26T16:26:17.147" v="1076" actId="20577"/>
+      <pc:chgData name="Thanh Nguyen" userId="ee4c66f2-a343-4a69-b777-27146cf6ce9f" providerId="ADAL" clId="{C6932BD4-7A9F-4079-BDC2-F0C01660A51F}" dt="2020-07-31T12:47:27.284" v="1102"/>
       <pc:docMkLst>
         <pc:docMk/>
       </pc:docMkLst>
@@ -360,7 +360,7 @@
         </pc:picChg>
       </pc:sldChg>
       <pc:sldChg chg="addSp delSp modSp new mod modClrScheme chgLayout modNotesTx">
-        <pc:chgData name="Thanh Nguyen" userId="ee4c66f2-a343-4a69-b777-27146cf6ce9f" providerId="ADAL" clId="{C6932BD4-7A9F-4079-BDC2-F0C01660A51F}" dt="2020-07-26T16:11:33.779" v="576"/>
+        <pc:chgData name="Thanh Nguyen" userId="ee4c66f2-a343-4a69-b777-27146cf6ce9f" providerId="ADAL" clId="{C6932BD4-7A9F-4079-BDC2-F0C01660A51F}" dt="2020-07-31T12:47:27.284" v="1102"/>
         <pc:sldMkLst>
           <pc:docMk/>
           <pc:sldMk cId="2102788691" sldId="286"/>
@@ -390,7 +390,7 @@
           </ac:graphicFrameMkLst>
         </pc:graphicFrameChg>
         <pc:graphicFrameChg chg="add mod">
-          <ac:chgData name="Thanh Nguyen" userId="ee4c66f2-a343-4a69-b777-27146cf6ce9f" providerId="ADAL" clId="{C6932BD4-7A9F-4079-BDC2-F0C01660A51F}" dt="2020-07-26T16:10:37.097" v="575"/>
+          <ac:chgData name="Thanh Nguyen" userId="ee4c66f2-a343-4a69-b777-27146cf6ce9f" providerId="ADAL" clId="{C6932BD4-7A9F-4079-BDC2-F0C01660A51F}" dt="2020-07-31T12:47:27.284" v="1102"/>
           <ac:graphicFrameMkLst>
             <pc:docMk/>
             <pc:sldMk cId="2102788691" sldId="286"/>
@@ -2804,6 +2804,11 @@
         <a:bodyPr/>
         <a:lstStyle/>
         <a:p>
+          <a:pPr>
+            <a:lnSpc>
+              <a:spcPct val="100000"/>
+            </a:lnSpc>
+          </a:pPr>
           <a:r>
             <a:rPr lang="en-AU" dirty="0"/>
             <a:t>GitHub account (free)</a:t>
@@ -2841,11 +2846,16 @@
         <a:bodyPr/>
         <a:lstStyle/>
         <a:p>
+          <a:pPr>
+            <a:lnSpc>
+              <a:spcPct val="100000"/>
+            </a:lnSpc>
+          </a:pPr>
           <a:r>
-            <a:rPr lang="en-AU"/>
+            <a:rPr lang="en-AU" dirty="0"/>
             <a:t>Azure DevOps account (free)</a:t>
           </a:r>
-          <a:endParaRPr lang="en-US"/>
+          <a:endParaRPr lang="en-US" dirty="0"/>
         </a:p>
       </dgm:t>
     </dgm:pt>
@@ -2878,6 +2888,11 @@
         <a:bodyPr/>
         <a:lstStyle/>
         <a:p>
+          <a:pPr>
+            <a:lnSpc>
+              <a:spcPct val="100000"/>
+            </a:lnSpc>
+          </a:pPr>
           <a:r>
             <a:rPr lang="en-AU"/>
             <a:t>Azure Subscription (free new account with $200 credit)</a:t>
@@ -2908,6 +2923,37 @@
         </a:p>
       </dgm:t>
     </dgm:pt>
+    <dgm:pt modelId="{EE0A2560-CA34-496B-87E7-5DEAD4DBE021}">
+      <dgm:prSet/>
+      <dgm:spPr/>
+      <dgm:t>
+        <a:bodyPr/>
+        <a:lstStyle/>
+        <a:p>
+          <a:pPr>
+            <a:lnSpc>
+              <a:spcPct val="100000"/>
+            </a:lnSpc>
+          </a:pPr>
+          <a:r>
+            <a:rPr lang="en-US" dirty="0" err="1"/>
+            <a:t>DockerHub</a:t>
+          </a:r>
+          <a:r>
+            <a:rPr lang="en-US" dirty="0"/>
+            <a:t> account (free)</a:t>
+          </a:r>
+        </a:p>
+      </dgm:t>
+    </dgm:pt>
+    <dgm:pt modelId="{639B6BAD-79EB-4185-A923-17F136BAB357}" type="parTrans" cxnId="{C1B8FF20-2AED-464F-B1CD-59C41AD8614C}">
+      <dgm:prSet/>
+      <dgm:spPr/>
+    </dgm:pt>
+    <dgm:pt modelId="{B6C14FAB-6400-4ED8-A80C-4616F9B907B9}" type="sibTrans" cxnId="{C1B8FF20-2AED-464F-B1CD-59C41AD8614C}">
+      <dgm:prSet/>
+      <dgm:spPr/>
+    </dgm:pt>
     <dgm:pt modelId="{59B095C3-6B3A-4142-80D4-F736FA50208B}" type="pres">
       <dgm:prSet presAssocID="{844D88A3-7AC0-4727-8422-9FC16758E89D}" presName="root" presStyleCnt="0">
         <dgm:presLayoutVars>
@@ -2922,11 +2968,11 @@
       <dgm:spPr/>
     </dgm:pt>
     <dgm:pt modelId="{99C3E399-DAD6-4B8F-B535-B244CA89A3EF}" type="pres">
-      <dgm:prSet presAssocID="{B62D05E4-51BA-4B10-92F0-0140F189CFE6}" presName="bgRect" presStyleLbl="bgShp" presStyleIdx="0" presStyleCnt="3"/>
+      <dgm:prSet presAssocID="{B62D05E4-51BA-4B10-92F0-0140F189CFE6}" presName="bgRect" presStyleLbl="bgShp" presStyleIdx="0" presStyleCnt="4"/>
       <dgm:spPr/>
     </dgm:pt>
     <dgm:pt modelId="{0FCCA680-A2D1-44C9-930A-E2279FA4CB1D}" type="pres">
-      <dgm:prSet presAssocID="{B62D05E4-51BA-4B10-92F0-0140F189CFE6}" presName="iconRect" presStyleLbl="node1" presStyleIdx="0" presStyleCnt="3"/>
+      <dgm:prSet presAssocID="{B62D05E4-51BA-4B10-92F0-0140F189CFE6}" presName="iconRect" presStyleLbl="node1" presStyleIdx="0" presStyleCnt="4"/>
       <dgm:spPr>
         <a:blipFill>
           <a:blip xmlns:r="http://schemas.openxmlformats.org/officeDocument/2006/relationships" r:embed="rId1">
@@ -2951,7 +2997,7 @@
       <dgm:spPr/>
     </dgm:pt>
     <dgm:pt modelId="{A4B9FDA5-99AC-49DB-AA2E-A3E7742104E0}" type="pres">
-      <dgm:prSet presAssocID="{B62D05E4-51BA-4B10-92F0-0140F189CFE6}" presName="parTx" presStyleLbl="revTx" presStyleIdx="0" presStyleCnt="3">
+      <dgm:prSet presAssocID="{B62D05E4-51BA-4B10-92F0-0140F189CFE6}" presName="parTx" presStyleLbl="revTx" presStyleIdx="0" presStyleCnt="4">
         <dgm:presLayoutVars>
           <dgm:chMax val="0"/>
           <dgm:chPref val="0"/>
@@ -2968,11 +3014,11 @@
       <dgm:spPr/>
     </dgm:pt>
     <dgm:pt modelId="{17473A0C-BEFE-41B6-AD6C-864A9710DB9B}" type="pres">
-      <dgm:prSet presAssocID="{AA747E97-8301-4F3D-962C-A23AB40440ED}" presName="bgRect" presStyleLbl="bgShp" presStyleIdx="1" presStyleCnt="3"/>
+      <dgm:prSet presAssocID="{AA747E97-8301-4F3D-962C-A23AB40440ED}" presName="bgRect" presStyleLbl="bgShp" presStyleIdx="1" presStyleCnt="4"/>
       <dgm:spPr/>
     </dgm:pt>
     <dgm:pt modelId="{4BE005A3-F1AC-428C-914F-938A49233E09}" type="pres">
-      <dgm:prSet presAssocID="{AA747E97-8301-4F3D-962C-A23AB40440ED}" presName="iconRect" presStyleLbl="node1" presStyleIdx="1" presStyleCnt="3"/>
+      <dgm:prSet presAssocID="{AA747E97-8301-4F3D-962C-A23AB40440ED}" presName="iconRect" presStyleLbl="node1" presStyleIdx="1" presStyleCnt="4"/>
       <dgm:spPr>
         <a:blipFill>
           <a:blip xmlns:r="http://schemas.openxmlformats.org/officeDocument/2006/relationships" r:embed="rId3">
@@ -3004,7 +3050,7 @@
       <dgm:spPr/>
     </dgm:pt>
     <dgm:pt modelId="{11A72E68-EC96-45AE-AA93-4C5452D7AEDE}" type="pres">
-      <dgm:prSet presAssocID="{AA747E97-8301-4F3D-962C-A23AB40440ED}" presName="parTx" presStyleLbl="revTx" presStyleIdx="1" presStyleCnt="3">
+      <dgm:prSet presAssocID="{AA747E97-8301-4F3D-962C-A23AB40440ED}" presName="parTx" presStyleLbl="revTx" presStyleIdx="1" presStyleCnt="4">
         <dgm:presLayoutVars>
           <dgm:chMax val="0"/>
           <dgm:chPref val="0"/>
@@ -3016,25 +3062,62 @@
       <dgm:prSet presAssocID="{AA26B697-4092-4EC2-9FEE-942EBDE7355C}" presName="sibTrans" presStyleCnt="0"/>
       <dgm:spPr/>
     </dgm:pt>
+    <dgm:pt modelId="{C36912F8-FE8B-4286-AF35-85AEB9276417}" type="pres">
+      <dgm:prSet presAssocID="{EE0A2560-CA34-496B-87E7-5DEAD4DBE021}" presName="compNode" presStyleCnt="0"/>
+      <dgm:spPr/>
+    </dgm:pt>
+    <dgm:pt modelId="{8455B482-936A-44D3-B3D6-830236FD1560}" type="pres">
+      <dgm:prSet presAssocID="{EE0A2560-CA34-496B-87E7-5DEAD4DBE021}" presName="bgRect" presStyleLbl="bgShp" presStyleIdx="2" presStyleCnt="4"/>
+      <dgm:spPr/>
+    </dgm:pt>
+    <dgm:pt modelId="{7E9AFFAC-16EC-462A-A894-9443723B3C33}" type="pres">
+      <dgm:prSet presAssocID="{EE0A2560-CA34-496B-87E7-5DEAD4DBE021}" presName="iconRect" presStyleLbl="node1" presStyleIdx="2" presStyleCnt="4"/>
+      <dgm:spPr>
+        <a:blipFill>
+          <a:blip xmlns:r="http://schemas.openxmlformats.org/officeDocument/2006/relationships" r:embed="rId5"/>
+          <a:srcRect/>
+          <a:stretch>
+            <a:fillRect l="-13000" r="-13000"/>
+          </a:stretch>
+        </a:blipFill>
+      </dgm:spPr>
+    </dgm:pt>
+    <dgm:pt modelId="{3DB761F0-67BC-49F1-9B01-0268965DCC9D}" type="pres">
+      <dgm:prSet presAssocID="{EE0A2560-CA34-496B-87E7-5DEAD4DBE021}" presName="spaceRect" presStyleCnt="0"/>
+      <dgm:spPr/>
+    </dgm:pt>
+    <dgm:pt modelId="{229E5717-E956-46B8-B1D5-BE673D8B908E}" type="pres">
+      <dgm:prSet presAssocID="{EE0A2560-CA34-496B-87E7-5DEAD4DBE021}" presName="parTx" presStyleLbl="revTx" presStyleIdx="2" presStyleCnt="4">
+        <dgm:presLayoutVars>
+          <dgm:chMax val="0"/>
+          <dgm:chPref val="0"/>
+        </dgm:presLayoutVars>
+      </dgm:prSet>
+      <dgm:spPr/>
+    </dgm:pt>
+    <dgm:pt modelId="{0043F20B-C340-42D7-BFCE-90DDA905568C}" type="pres">
+      <dgm:prSet presAssocID="{B6C14FAB-6400-4ED8-A80C-4616F9B907B9}" presName="sibTrans" presStyleCnt="0"/>
+      <dgm:spPr/>
+    </dgm:pt>
     <dgm:pt modelId="{58E40504-7BC3-4690-AA7B-72D1A010DE38}" type="pres">
       <dgm:prSet presAssocID="{5FE23D78-5DA3-4984-A3EC-869350A10C71}" presName="compNode" presStyleCnt="0"/>
       <dgm:spPr/>
     </dgm:pt>
     <dgm:pt modelId="{E4A5A183-7139-4916-9854-B644A99D0DD6}" type="pres">
-      <dgm:prSet presAssocID="{5FE23D78-5DA3-4984-A3EC-869350A10C71}" presName="bgRect" presStyleLbl="bgShp" presStyleIdx="2" presStyleCnt="3"/>
+      <dgm:prSet presAssocID="{5FE23D78-5DA3-4984-A3EC-869350A10C71}" presName="bgRect" presStyleLbl="bgShp" presStyleIdx="3" presStyleCnt="4"/>
       <dgm:spPr/>
     </dgm:pt>
     <dgm:pt modelId="{D74ED1A5-3134-41D4-8E7E-6CE8B892CF57}" type="pres">
-      <dgm:prSet presAssocID="{5FE23D78-5DA3-4984-A3EC-869350A10C71}" presName="iconRect" presStyleLbl="node1" presStyleIdx="2" presStyleCnt="3"/>
+      <dgm:prSet presAssocID="{5FE23D78-5DA3-4984-A3EC-869350A10C71}" presName="iconRect" presStyleLbl="node1" presStyleIdx="3" presStyleCnt="4"/>
       <dgm:spPr>
         <a:blipFill>
-          <a:blip xmlns:r="http://schemas.openxmlformats.org/officeDocument/2006/relationships" r:embed="rId5">
+          <a:blip xmlns:r="http://schemas.openxmlformats.org/officeDocument/2006/relationships" r:embed="rId6">
             <a:extLst>
               <a:ext uri="{28A0092B-C50C-407E-A947-70E740481C1C}">
                 <a14:useLocalDpi xmlns:a14="http://schemas.microsoft.com/office/drawing/2010/main" val="0"/>
               </a:ext>
               <a:ext uri="{96DAC541-7B7A-43D3-8B79-37D633B846F1}">
-                <asvg:svgBlip xmlns:asvg="http://schemas.microsoft.com/office/drawing/2016/SVG/main" r:embed="rId6"/>
+                <asvg:svgBlip xmlns:asvg="http://schemas.microsoft.com/office/drawing/2016/SVG/main" r:embed="rId7"/>
               </a:ext>
             </a:extLst>
           </a:blip>
@@ -3057,7 +3140,7 @@
       <dgm:spPr/>
     </dgm:pt>
     <dgm:pt modelId="{84B0BBA1-E421-4219-B2F5-B0A462668E0D}" type="pres">
-      <dgm:prSet presAssocID="{5FE23D78-5DA3-4984-A3EC-869350A10C71}" presName="parTx" presStyleLbl="revTx" presStyleIdx="2" presStyleCnt="3">
+      <dgm:prSet presAssocID="{5FE23D78-5DA3-4984-A3EC-869350A10C71}" presName="parTx" presStyleLbl="revTx" presStyleIdx="3" presStyleCnt="4">
         <dgm:presLayoutVars>
           <dgm:chMax val="0"/>
           <dgm:chPref val="0"/>
@@ -3069,11 +3152,13 @@
   <dgm:cxnLst>
     <dgm:cxn modelId="{30B76E14-4CB3-4D1A-884F-E21CA523C552}" type="presOf" srcId="{844D88A3-7AC0-4727-8422-9FC16758E89D}" destId="{59B095C3-6B3A-4142-80D4-F736FA50208B}" srcOrd="0" destOrd="0" presId="urn:microsoft.com/office/officeart/2018/2/layout/IconVerticalSolidList"/>
     <dgm:cxn modelId="{C6862E18-FAB2-43AE-90BC-60B78A80DCCF}" type="presOf" srcId="{AA747E97-8301-4F3D-962C-A23AB40440ED}" destId="{11A72E68-EC96-45AE-AA93-4C5452D7AEDE}" srcOrd="0" destOrd="0" presId="urn:microsoft.com/office/officeart/2018/2/layout/IconVerticalSolidList"/>
+    <dgm:cxn modelId="{C1B8FF20-2AED-464F-B1CD-59C41AD8614C}" srcId="{844D88A3-7AC0-4727-8422-9FC16758E89D}" destId="{EE0A2560-CA34-496B-87E7-5DEAD4DBE021}" srcOrd="2" destOrd="0" parTransId="{639B6BAD-79EB-4185-A923-17F136BAB357}" sibTransId="{B6C14FAB-6400-4ED8-A80C-4616F9B907B9}"/>
+    <dgm:cxn modelId="{24343260-84B1-4EBB-A7CD-7CB23946B369}" type="presOf" srcId="{EE0A2560-CA34-496B-87E7-5DEAD4DBE021}" destId="{229E5717-E956-46B8-B1D5-BE673D8B908E}" srcOrd="0" destOrd="0" presId="urn:microsoft.com/office/officeart/2018/2/layout/IconVerticalSolidList"/>
     <dgm:cxn modelId="{CA38B561-465A-4D0B-AD26-8ABE183D7440}" srcId="{844D88A3-7AC0-4727-8422-9FC16758E89D}" destId="{B62D05E4-51BA-4B10-92F0-0140F189CFE6}" srcOrd="0" destOrd="0" parTransId="{DBF968B8-2C33-4F95-9007-27D90ABFB3AA}" sibTransId="{CBB9B3D3-161A-4C9D-ADC5-E8F70AA80A73}"/>
     <dgm:cxn modelId="{8BDD2771-0278-46FD-A6B3-8F5DA48669DE}" type="presOf" srcId="{B62D05E4-51BA-4B10-92F0-0140F189CFE6}" destId="{A4B9FDA5-99AC-49DB-AA2E-A3E7742104E0}" srcOrd="0" destOrd="0" presId="urn:microsoft.com/office/officeart/2018/2/layout/IconVerticalSolidList"/>
     <dgm:cxn modelId="{B190BC9B-57A4-4974-B47A-90D3FD116D9D}" type="presOf" srcId="{5FE23D78-5DA3-4984-A3EC-869350A10C71}" destId="{84B0BBA1-E421-4219-B2F5-B0A462668E0D}" srcOrd="0" destOrd="0" presId="urn:microsoft.com/office/officeart/2018/2/layout/IconVerticalSolidList"/>
     <dgm:cxn modelId="{C151D79B-1C4C-474C-AD87-923CE982B148}" srcId="{844D88A3-7AC0-4727-8422-9FC16758E89D}" destId="{AA747E97-8301-4F3D-962C-A23AB40440ED}" srcOrd="1" destOrd="0" parTransId="{03A8FAD4-F081-4A1D-B52F-9D3A5B19C422}" sibTransId="{AA26B697-4092-4EC2-9FEE-942EBDE7355C}"/>
-    <dgm:cxn modelId="{0F503FD6-65E7-49BA-BD10-97906901BA27}" srcId="{844D88A3-7AC0-4727-8422-9FC16758E89D}" destId="{5FE23D78-5DA3-4984-A3EC-869350A10C71}" srcOrd="2" destOrd="0" parTransId="{381B251C-B5F9-4B1A-93E5-C64756C4FD58}" sibTransId="{D5D5B0E2-FE2D-44CD-AA50-7ED53B79B04C}"/>
+    <dgm:cxn modelId="{0F503FD6-65E7-49BA-BD10-97906901BA27}" srcId="{844D88A3-7AC0-4727-8422-9FC16758E89D}" destId="{5FE23D78-5DA3-4984-A3EC-869350A10C71}" srcOrd="3" destOrd="0" parTransId="{381B251C-B5F9-4B1A-93E5-C64756C4FD58}" sibTransId="{D5D5B0E2-FE2D-44CD-AA50-7ED53B79B04C}"/>
     <dgm:cxn modelId="{1C001850-E996-46C5-BB9A-215242104973}" type="presParOf" srcId="{59B095C3-6B3A-4142-80D4-F736FA50208B}" destId="{20D1EFB8-8620-41BB-9E13-814C3498F7DE}" srcOrd="0" destOrd="0" presId="urn:microsoft.com/office/officeart/2018/2/layout/IconVerticalSolidList"/>
     <dgm:cxn modelId="{B2B5CFB4-B12E-45C1-844C-3A1ECC325FCD}" type="presParOf" srcId="{20D1EFB8-8620-41BB-9E13-814C3498F7DE}" destId="{99C3E399-DAD6-4B8F-B535-B244CA89A3EF}" srcOrd="0" destOrd="0" presId="urn:microsoft.com/office/officeart/2018/2/layout/IconVerticalSolidList"/>
     <dgm:cxn modelId="{2DC20988-2ECE-4E31-9312-3D8BC90C8D3D}" type="presParOf" srcId="{20D1EFB8-8620-41BB-9E13-814C3498F7DE}" destId="{0FCCA680-A2D1-44C9-930A-E2279FA4CB1D}" srcOrd="1" destOrd="0" presId="urn:microsoft.com/office/officeart/2018/2/layout/IconVerticalSolidList"/>
@@ -3086,7 +3171,13 @@
     <dgm:cxn modelId="{A69F498B-565D-4617-B476-492EC0C5CB84}" type="presParOf" srcId="{001A59F3-87B5-4DEB-A99E-7C557E601464}" destId="{2CE987EC-7859-4F2A-9206-341847D545F7}" srcOrd="2" destOrd="0" presId="urn:microsoft.com/office/officeart/2018/2/layout/IconVerticalSolidList"/>
     <dgm:cxn modelId="{EA75DF30-F132-40D8-B286-23FC24C8093B}" type="presParOf" srcId="{001A59F3-87B5-4DEB-A99E-7C557E601464}" destId="{11A72E68-EC96-45AE-AA93-4C5452D7AEDE}" srcOrd="3" destOrd="0" presId="urn:microsoft.com/office/officeart/2018/2/layout/IconVerticalSolidList"/>
     <dgm:cxn modelId="{52F42479-8539-4B4A-AC42-4B40B16CCA96}" type="presParOf" srcId="{59B095C3-6B3A-4142-80D4-F736FA50208B}" destId="{C818CE3D-80C5-41F0-A10F-D5A3D2FEF86A}" srcOrd="3" destOrd="0" presId="urn:microsoft.com/office/officeart/2018/2/layout/IconVerticalSolidList"/>
-    <dgm:cxn modelId="{2B6B4CA2-3494-4B2E-8E3E-606A4E29A104}" type="presParOf" srcId="{59B095C3-6B3A-4142-80D4-F736FA50208B}" destId="{58E40504-7BC3-4690-AA7B-72D1A010DE38}" srcOrd="4" destOrd="0" presId="urn:microsoft.com/office/officeart/2018/2/layout/IconVerticalSolidList"/>
+    <dgm:cxn modelId="{DE555FA2-E833-4871-B295-DF420CE0BD8A}" type="presParOf" srcId="{59B095C3-6B3A-4142-80D4-F736FA50208B}" destId="{C36912F8-FE8B-4286-AF35-85AEB9276417}" srcOrd="4" destOrd="0" presId="urn:microsoft.com/office/officeart/2018/2/layout/IconVerticalSolidList"/>
+    <dgm:cxn modelId="{76A510DE-124C-45EB-B6A3-6243714CF50E}" type="presParOf" srcId="{C36912F8-FE8B-4286-AF35-85AEB9276417}" destId="{8455B482-936A-44D3-B3D6-830236FD1560}" srcOrd="0" destOrd="0" presId="urn:microsoft.com/office/officeart/2018/2/layout/IconVerticalSolidList"/>
+    <dgm:cxn modelId="{D1CD0197-365F-4D6D-87F4-5431C567152A}" type="presParOf" srcId="{C36912F8-FE8B-4286-AF35-85AEB9276417}" destId="{7E9AFFAC-16EC-462A-A894-9443723B3C33}" srcOrd="1" destOrd="0" presId="urn:microsoft.com/office/officeart/2018/2/layout/IconVerticalSolidList"/>
+    <dgm:cxn modelId="{9F78EEEF-4225-4607-BEFF-B7C8AEC1F241}" type="presParOf" srcId="{C36912F8-FE8B-4286-AF35-85AEB9276417}" destId="{3DB761F0-67BC-49F1-9B01-0268965DCC9D}" srcOrd="2" destOrd="0" presId="urn:microsoft.com/office/officeart/2018/2/layout/IconVerticalSolidList"/>
+    <dgm:cxn modelId="{6C1EBE39-16F3-4FB8-9D10-792548AEEB67}" type="presParOf" srcId="{C36912F8-FE8B-4286-AF35-85AEB9276417}" destId="{229E5717-E956-46B8-B1D5-BE673D8B908E}" srcOrd="3" destOrd="0" presId="urn:microsoft.com/office/officeart/2018/2/layout/IconVerticalSolidList"/>
+    <dgm:cxn modelId="{42642CCB-6FC7-4928-A2C3-BAC6C33EAF4F}" type="presParOf" srcId="{59B095C3-6B3A-4142-80D4-F736FA50208B}" destId="{0043F20B-C340-42D7-BFCE-90DDA905568C}" srcOrd="5" destOrd="0" presId="urn:microsoft.com/office/officeart/2018/2/layout/IconVerticalSolidList"/>
+    <dgm:cxn modelId="{2B6B4CA2-3494-4B2E-8E3E-606A4E29A104}" type="presParOf" srcId="{59B095C3-6B3A-4142-80D4-F736FA50208B}" destId="{58E40504-7BC3-4690-AA7B-72D1A010DE38}" srcOrd="6" destOrd="0" presId="urn:microsoft.com/office/officeart/2018/2/layout/IconVerticalSolidList"/>
     <dgm:cxn modelId="{F0AE8C78-727C-475D-A6C4-71B055610A04}" type="presParOf" srcId="{58E40504-7BC3-4690-AA7B-72D1A010DE38}" destId="{E4A5A183-7139-4916-9854-B644A99D0DD6}" srcOrd="0" destOrd="0" presId="urn:microsoft.com/office/officeart/2018/2/layout/IconVerticalSolidList"/>
     <dgm:cxn modelId="{9E4341D5-0369-4483-A355-78E9DCD964DB}" type="presParOf" srcId="{58E40504-7BC3-4690-AA7B-72D1A010DE38}" destId="{D74ED1A5-3134-41D4-8E7E-6CE8B892CF57}" srcOrd="1" destOrd="0" presId="urn:microsoft.com/office/officeart/2018/2/layout/IconVerticalSolidList"/>
     <dgm:cxn modelId="{3642687B-70BE-44F8-B4B8-C22134F4E061}" type="presParOf" srcId="{58E40504-7BC3-4690-AA7B-72D1A010DE38}" destId="{E08C6FDD-0F16-4574-89D3-25130C5DB741}" srcOrd="2" destOrd="0" presId="urn:microsoft.com/office/officeart/2018/2/layout/IconVerticalSolidList"/>
@@ -3707,8 +3798,8 @@
       </dsp:nvSpPr>
       <dsp:spPr>
         <a:xfrm>
-          <a:off x="0" y="485"/>
-          <a:ext cx="9445752" cy="1136191"/>
+          <a:off x="0" y="1650"/>
+          <a:ext cx="9445752" cy="836702"/>
         </a:xfrm>
         <a:prstGeom prst="roundRect">
           <a:avLst>
@@ -3749,8 +3840,8 @@
       </dsp:nvSpPr>
       <dsp:spPr>
         <a:xfrm>
-          <a:off x="343697" y="256128"/>
-          <a:ext cx="624905" cy="624905"/>
+          <a:off x="253102" y="189909"/>
+          <a:ext cx="460186" cy="460186"/>
         </a:xfrm>
         <a:prstGeom prst="rect">
           <a:avLst/>
@@ -3797,8 +3888,8 @@
       </dsp:nvSpPr>
       <dsp:spPr>
         <a:xfrm>
-          <a:off x="1312300" y="485"/>
-          <a:ext cx="8133451" cy="1136191"/>
+          <a:off x="966391" y="1650"/>
+          <a:ext cx="8479360" cy="836702"/>
         </a:xfrm>
         <a:prstGeom prst="rect">
           <a:avLst/>
@@ -3822,14 +3913,14 @@
         <a:fontRef idx="minor"/>
       </dsp:style>
       <dsp:txBody>
-        <a:bodyPr spcFirstLastPara="0" vert="horz" wrap="square" lIns="120247" tIns="120247" rIns="120247" bIns="120247" numCol="1" spcCol="1270" anchor="ctr" anchorCtr="0">
+        <a:bodyPr spcFirstLastPara="0" vert="horz" wrap="square" lIns="88551" tIns="88551" rIns="88551" bIns="88551" numCol="1" spcCol="1270" anchor="ctr" anchorCtr="0">
           <a:noAutofit/>
         </a:bodyPr>
         <a:lstStyle/>
         <a:p>
-          <a:pPr marL="0" lvl="0" indent="0" algn="l" defTabSz="1111250">
+          <a:pPr marL="0" lvl="0" indent="0" algn="l" defTabSz="977900">
             <a:lnSpc>
-              <a:spcPct val="90000"/>
+              <a:spcPct val="100000"/>
             </a:lnSpc>
             <a:spcBef>
               <a:spcPct val="0"/>
@@ -3840,15 +3931,15 @@
             <a:buNone/>
           </a:pPr>
           <a:r>
-            <a:rPr lang="en-AU" sz="2500" kern="1200" dirty="0"/>
+            <a:rPr lang="en-AU" sz="2200" kern="1200" dirty="0"/>
             <a:t>GitHub account (free)</a:t>
           </a:r>
-          <a:endParaRPr lang="en-US" sz="2500" kern="1200" dirty="0"/>
+          <a:endParaRPr lang="en-US" sz="2200" kern="1200" dirty="0"/>
         </a:p>
       </dsp:txBody>
       <dsp:txXfrm>
-        <a:off x="1312300" y="485"/>
-        <a:ext cx="8133451" cy="1136191"/>
+        <a:off x="966391" y="1650"/>
+        <a:ext cx="8479360" cy="836702"/>
       </dsp:txXfrm>
     </dsp:sp>
     <dsp:sp modelId="{17473A0C-BEFE-41B6-AD6C-864A9710DB9B}">
@@ -3858,8 +3949,8 @@
       </dsp:nvSpPr>
       <dsp:spPr>
         <a:xfrm>
-          <a:off x="0" y="1420724"/>
-          <a:ext cx="9445752" cy="1136191"/>
+          <a:off x="0" y="1047529"/>
+          <a:ext cx="9445752" cy="836702"/>
         </a:xfrm>
         <a:prstGeom prst="roundRect">
           <a:avLst>
@@ -3900,8 +3991,8 @@
       </dsp:nvSpPr>
       <dsp:spPr>
         <a:xfrm>
-          <a:off x="343697" y="1676367"/>
-          <a:ext cx="624905" cy="624905"/>
+          <a:off x="253102" y="1235787"/>
+          <a:ext cx="460186" cy="460186"/>
         </a:xfrm>
         <a:prstGeom prst="rect">
           <a:avLst/>
@@ -3950,8 +4041,8 @@
       </dsp:nvSpPr>
       <dsp:spPr>
         <a:xfrm>
-          <a:off x="1312300" y="1420724"/>
-          <a:ext cx="8133451" cy="1136191"/>
+          <a:off x="966391" y="1047529"/>
+          <a:ext cx="8479360" cy="836702"/>
         </a:xfrm>
         <a:prstGeom prst="rect">
           <a:avLst/>
@@ -3975,14 +4066,14 @@
         <a:fontRef idx="minor"/>
       </dsp:style>
       <dsp:txBody>
-        <a:bodyPr spcFirstLastPara="0" vert="horz" wrap="square" lIns="120247" tIns="120247" rIns="120247" bIns="120247" numCol="1" spcCol="1270" anchor="ctr" anchorCtr="0">
+        <a:bodyPr spcFirstLastPara="0" vert="horz" wrap="square" lIns="88551" tIns="88551" rIns="88551" bIns="88551" numCol="1" spcCol="1270" anchor="ctr" anchorCtr="0">
           <a:noAutofit/>
         </a:bodyPr>
         <a:lstStyle/>
         <a:p>
-          <a:pPr marL="0" lvl="0" indent="0" algn="l" defTabSz="1111250">
+          <a:pPr marL="0" lvl="0" indent="0" algn="l" defTabSz="977900">
             <a:lnSpc>
-              <a:spcPct val="90000"/>
+              <a:spcPct val="100000"/>
             </a:lnSpc>
             <a:spcBef>
               <a:spcPct val="0"/>
@@ -3993,15 +4084,170 @@
             <a:buNone/>
           </a:pPr>
           <a:r>
-            <a:rPr lang="en-AU" sz="2500" kern="1200"/>
+            <a:rPr lang="en-AU" sz="2200" kern="1200" dirty="0"/>
             <a:t>Azure DevOps account (free)</a:t>
           </a:r>
-          <a:endParaRPr lang="en-US" sz="2500" kern="1200"/>
+          <a:endParaRPr lang="en-US" sz="2200" kern="1200" dirty="0"/>
         </a:p>
       </dsp:txBody>
       <dsp:txXfrm>
-        <a:off x="1312300" y="1420724"/>
-        <a:ext cx="8133451" cy="1136191"/>
+        <a:off x="966391" y="1047529"/>
+        <a:ext cx="8479360" cy="836702"/>
+      </dsp:txXfrm>
+    </dsp:sp>
+    <dsp:sp modelId="{8455B482-936A-44D3-B3D6-830236FD1560}">
+      <dsp:nvSpPr>
+        <dsp:cNvPr id="0" name=""/>
+        <dsp:cNvSpPr/>
+      </dsp:nvSpPr>
+      <dsp:spPr>
+        <a:xfrm>
+          <a:off x="0" y="2093407"/>
+          <a:ext cx="9445752" cy="836702"/>
+        </a:xfrm>
+        <a:prstGeom prst="roundRect">
+          <a:avLst>
+            <a:gd name="adj" fmla="val 10000"/>
+          </a:avLst>
+        </a:prstGeom>
+        <a:solidFill>
+          <a:schemeClr val="accent1">
+            <a:tint val="40000"/>
+            <a:hueOff val="0"/>
+            <a:satOff val="0"/>
+            <a:lumOff val="0"/>
+            <a:alphaOff val="0"/>
+          </a:schemeClr>
+        </a:solidFill>
+        <a:ln>
+          <a:noFill/>
+        </a:ln>
+        <a:effectLst/>
+      </dsp:spPr>
+      <dsp:style>
+        <a:lnRef idx="0">
+          <a:scrgbClr r="0" g="0" b="0"/>
+        </a:lnRef>
+        <a:fillRef idx="1">
+          <a:scrgbClr r="0" g="0" b="0"/>
+        </a:fillRef>
+        <a:effectRef idx="0">
+          <a:scrgbClr r="0" g="0" b="0"/>
+        </a:effectRef>
+        <a:fontRef idx="minor"/>
+      </dsp:style>
+    </dsp:sp>
+    <dsp:sp modelId="{7E9AFFAC-16EC-462A-A894-9443723B3C33}">
+      <dsp:nvSpPr>
+        <dsp:cNvPr id="0" name=""/>
+        <dsp:cNvSpPr/>
+      </dsp:nvSpPr>
+      <dsp:spPr>
+        <a:xfrm>
+          <a:off x="253102" y="2281665"/>
+          <a:ext cx="460186" cy="460186"/>
+        </a:xfrm>
+        <a:prstGeom prst="rect">
+          <a:avLst/>
+        </a:prstGeom>
+        <a:blipFill>
+          <a:blip xmlns:r="http://schemas.openxmlformats.org/officeDocument/2006/relationships" r:embed="rId5"/>
+          <a:srcRect/>
+          <a:stretch>
+            <a:fillRect l="-13000" r="-13000"/>
+          </a:stretch>
+        </a:blipFill>
+        <a:ln w="12700" cap="flat" cmpd="sng" algn="ctr">
+          <a:solidFill>
+            <a:schemeClr val="lt1">
+              <a:hueOff val="0"/>
+              <a:satOff val="0"/>
+              <a:lumOff val="0"/>
+              <a:alphaOff val="0"/>
+            </a:schemeClr>
+          </a:solidFill>
+          <a:prstDash val="solid"/>
+          <a:miter lim="800000"/>
+        </a:ln>
+        <a:effectLst/>
+      </dsp:spPr>
+      <dsp:style>
+        <a:lnRef idx="2">
+          <a:scrgbClr r="0" g="0" b="0"/>
+        </a:lnRef>
+        <a:fillRef idx="1">
+          <a:scrgbClr r="0" g="0" b="0"/>
+        </a:fillRef>
+        <a:effectRef idx="0">
+          <a:scrgbClr r="0" g="0" b="0"/>
+        </a:effectRef>
+        <a:fontRef idx="minor">
+          <a:schemeClr val="lt1"/>
+        </a:fontRef>
+      </dsp:style>
+    </dsp:sp>
+    <dsp:sp modelId="{229E5717-E956-46B8-B1D5-BE673D8B908E}">
+      <dsp:nvSpPr>
+        <dsp:cNvPr id="0" name=""/>
+        <dsp:cNvSpPr/>
+      </dsp:nvSpPr>
+      <dsp:spPr>
+        <a:xfrm>
+          <a:off x="966391" y="2093407"/>
+          <a:ext cx="8479360" cy="836702"/>
+        </a:xfrm>
+        <a:prstGeom prst="rect">
+          <a:avLst/>
+        </a:prstGeom>
+        <a:noFill/>
+        <a:ln>
+          <a:noFill/>
+        </a:ln>
+        <a:effectLst/>
+      </dsp:spPr>
+      <dsp:style>
+        <a:lnRef idx="0">
+          <a:scrgbClr r="0" g="0" b="0"/>
+        </a:lnRef>
+        <a:fillRef idx="0">
+          <a:scrgbClr r="0" g="0" b="0"/>
+        </a:fillRef>
+        <a:effectRef idx="0">
+          <a:scrgbClr r="0" g="0" b="0"/>
+        </a:effectRef>
+        <a:fontRef idx="minor"/>
+      </dsp:style>
+      <dsp:txBody>
+        <a:bodyPr spcFirstLastPara="0" vert="horz" wrap="square" lIns="88551" tIns="88551" rIns="88551" bIns="88551" numCol="1" spcCol="1270" anchor="ctr" anchorCtr="0">
+          <a:noAutofit/>
+        </a:bodyPr>
+        <a:lstStyle/>
+        <a:p>
+          <a:pPr marL="0" lvl="0" indent="0" algn="l" defTabSz="977900">
+            <a:lnSpc>
+              <a:spcPct val="100000"/>
+            </a:lnSpc>
+            <a:spcBef>
+              <a:spcPct val="0"/>
+            </a:spcBef>
+            <a:spcAft>
+              <a:spcPct val="35000"/>
+            </a:spcAft>
+            <a:buNone/>
+          </a:pPr>
+          <a:r>
+            <a:rPr lang="en-US" sz="2200" kern="1200" dirty="0" err="1"/>
+            <a:t>DockerHub</a:t>
+          </a:r>
+          <a:r>
+            <a:rPr lang="en-US" sz="2200" kern="1200" dirty="0"/>
+            <a:t> account (free)</a:t>
+          </a:r>
+        </a:p>
+      </dsp:txBody>
+      <dsp:txXfrm>
+        <a:off x="966391" y="2093407"/>
+        <a:ext cx="8479360" cy="836702"/>
       </dsp:txXfrm>
     </dsp:sp>
     <dsp:sp modelId="{E4A5A183-7139-4916-9854-B644A99D0DD6}">
@@ -4011,8 +4257,8 @@
       </dsp:nvSpPr>
       <dsp:spPr>
         <a:xfrm>
-          <a:off x="0" y="2840963"/>
-          <a:ext cx="9445752" cy="1136191"/>
+          <a:off x="0" y="3139286"/>
+          <a:ext cx="9445752" cy="836702"/>
         </a:xfrm>
         <a:prstGeom prst="roundRect">
           <a:avLst>
@@ -4053,20 +4299,20 @@
       </dsp:nvSpPr>
       <dsp:spPr>
         <a:xfrm>
-          <a:off x="343697" y="3096606"/>
-          <a:ext cx="624905" cy="624905"/>
+          <a:off x="253102" y="3327544"/>
+          <a:ext cx="460186" cy="460186"/>
         </a:xfrm>
         <a:prstGeom prst="rect">
           <a:avLst/>
         </a:prstGeom>
         <a:blipFill>
-          <a:blip xmlns:r="http://schemas.openxmlformats.org/officeDocument/2006/relationships" r:embed="rId5">
+          <a:blip xmlns:r="http://schemas.openxmlformats.org/officeDocument/2006/relationships" r:embed="rId6">
             <a:extLst>
               <a:ext uri="{28A0092B-C50C-407E-A947-70E740481C1C}">
                 <a14:useLocalDpi xmlns:a14="http://schemas.microsoft.com/office/drawing/2010/main" val="0"/>
               </a:ext>
               <a:ext uri="{96DAC541-7B7A-43D3-8B79-37D633B846F1}">
-                <asvg:svgBlip xmlns:asvg="http://schemas.microsoft.com/office/drawing/2016/SVG/main" r:embed="rId6"/>
+                <asvg:svgBlip xmlns:asvg="http://schemas.microsoft.com/office/drawing/2016/SVG/main" r:embed="rId7"/>
               </a:ext>
             </a:extLst>
           </a:blip>
@@ -4103,8 +4349,8 @@
       </dsp:nvSpPr>
       <dsp:spPr>
         <a:xfrm>
-          <a:off x="1312300" y="2840963"/>
-          <a:ext cx="8133451" cy="1136191"/>
+          <a:off x="966391" y="3139286"/>
+          <a:ext cx="8479360" cy="836702"/>
         </a:xfrm>
         <a:prstGeom prst="rect">
           <a:avLst/>
@@ -4128,14 +4374,14 @@
         <a:fontRef idx="minor"/>
       </dsp:style>
       <dsp:txBody>
-        <a:bodyPr spcFirstLastPara="0" vert="horz" wrap="square" lIns="120247" tIns="120247" rIns="120247" bIns="120247" numCol="1" spcCol="1270" anchor="ctr" anchorCtr="0">
+        <a:bodyPr spcFirstLastPara="0" vert="horz" wrap="square" lIns="88551" tIns="88551" rIns="88551" bIns="88551" numCol="1" spcCol="1270" anchor="ctr" anchorCtr="0">
           <a:noAutofit/>
         </a:bodyPr>
         <a:lstStyle/>
         <a:p>
-          <a:pPr marL="0" lvl="0" indent="0" algn="l" defTabSz="1111250">
+          <a:pPr marL="0" lvl="0" indent="0" algn="l" defTabSz="977900">
             <a:lnSpc>
-              <a:spcPct val="90000"/>
+              <a:spcPct val="100000"/>
             </a:lnSpc>
             <a:spcBef>
               <a:spcPct val="0"/>
@@ -4146,15 +4392,15 @@
             <a:buNone/>
           </a:pPr>
           <a:r>
-            <a:rPr lang="en-AU" sz="2500" kern="1200"/>
+            <a:rPr lang="en-AU" sz="2200" kern="1200"/>
             <a:t>Azure Subscription (free new account with $200 credit)</a:t>
           </a:r>
-          <a:endParaRPr lang="en-US" sz="2500" kern="1200"/>
+          <a:endParaRPr lang="en-US" sz="2200" kern="1200"/>
         </a:p>
       </dsp:txBody>
       <dsp:txXfrm>
-        <a:off x="1312300" y="2840963"/>
-        <a:ext cx="8133451" cy="1136191"/>
+        <a:off x="966391" y="3139286"/>
+        <a:ext cx="8479360" cy="836702"/>
       </dsp:txXfrm>
     </dsp:sp>
   </dsp:spTree>
@@ -8998,7 +9244,7 @@
           <a:p>
             <a:fld id="{80680FBE-A8DF-4758-9AC4-3A9E1039168F}" type="datetimeFigureOut">
               <a:rPr lang="en-US" smtClean="0"/>
-              <a:t>7/27/2020</a:t>
+              <a:t>7/31/2020</a:t>
             </a:fld>
             <a:endParaRPr lang="en-US" dirty="0"/>
           </a:p>
@@ -9163,7 +9409,7 @@
           <a:p>
             <a:fld id="{EC13577B-6902-467D-A26C-08A0DD5E4E03}" type="datetimeFigureOut">
               <a:rPr lang="en-US" smtClean="0"/>
-              <a:t>7/27/2020</a:t>
+              <a:t>7/31/2020</a:t>
             </a:fld>
             <a:endParaRPr lang="en-US" dirty="0"/>
           </a:p>
@@ -10045,7 +10291,7 @@
             <a:fld id="{8BEEBAAA-29B5-4AF5-BC5F-7E580C29002D}" type="datetimeFigureOut">
               <a:rPr lang="en-US" smtClean="0"/>
               <a:pPr/>
-              <a:t>7/27/2020</a:t>
+              <a:t>7/31/2020</a:t>
             </a:fld>
             <a:endParaRPr lang="en-US" dirty="0"/>
           </a:p>
@@ -10671,7 +10917,7 @@
             <a:fld id="{8BEEBAAA-29B5-4AF5-BC5F-7E580C29002D}" type="datetimeFigureOut">
               <a:rPr lang="en-US" smtClean="0"/>
               <a:pPr/>
-              <a:t>7/27/2020</a:t>
+              <a:t>7/31/2020</a:t>
             </a:fld>
             <a:endParaRPr lang="en-US" dirty="0"/>
           </a:p>
@@ -11591,7 +11837,7 @@
             <p:ph sz="quarter" idx="13"/>
             <p:extLst>
               <p:ext uri="{D42A27DB-BD31-4B8C-83A1-F6EECF244321}">
-                <p14:modId xmlns:p14="http://schemas.microsoft.com/office/powerpoint/2010/main" val="3465803343"/>
+                <p14:modId xmlns:p14="http://schemas.microsoft.com/office/powerpoint/2010/main" val="588929753"/>
               </p:ext>
             </p:extLst>
           </p:nvPr>
@@ -12836,6 +13082,15 @@
 </file>
 
 <file path=customXml/item2.xml><?xml version="1.0" encoding="utf-8"?>
+<?mso-contentType ?>
+<FormTemplates xmlns="http://schemas.microsoft.com/sharepoint/v3/contenttype/forms">
+  <Display>DocumentLibraryForm</Display>
+  <Edit>DocumentLibraryForm</Edit>
+  <New>DocumentLibraryForm</New>
+</FormTemplates>
+</file>
+
+<file path=customXml/item3.xml><?xml version="1.0" encoding="utf-8"?>
 <ct:contentTypeSchema xmlns:ct="http://schemas.microsoft.com/office/2006/metadata/contentType" xmlns:ma="http://schemas.microsoft.com/office/2006/metadata/properties/metaAttributes" ct:_="" ma:_="" ma:contentTypeName="Document" ma:contentTypeID="0x01010079F111ED35F8CC479449609E8A0923A6" ma:contentTypeVersion="12" ma:contentTypeDescription="Create a new document." ma:contentTypeScope="" ma:versionID="a8a52e8c320b9a064ae3583ae3861c92">
   <xsd:schema xmlns:xsd="http://www.w3.org/2001/XMLSchema" xmlns:xs="http://www.w3.org/2001/XMLSchema" xmlns:p="http://schemas.microsoft.com/office/2006/metadata/properties" xmlns:ns2="71af3243-3dd4-4a8d-8c0d-dd76da1f02a5" xmlns:ns3="16c05727-aa75-4e4a-9b5f-8a80a1165891" targetNamespace="http://schemas.microsoft.com/office/2006/metadata/properties" ma:root="true" ma:fieldsID="88020cb39231a0945110f9cd888b521a" ns2:_="" ns3:_="">
     <xsd:import namespace="71af3243-3dd4-4a8d-8c0d-dd76da1f02a5"/>
@@ -13056,15 +13311,6 @@
 </ct:contentTypeSchema>
 </file>
 
-<file path=customXml/item3.xml><?xml version="1.0" encoding="utf-8"?>
-<?mso-contentType ?>
-<FormTemplates xmlns="http://schemas.microsoft.com/sharepoint/v3/contenttype/forms">
-  <Display>DocumentLibraryForm</Display>
-  <Edit>DocumentLibraryForm</Edit>
-  <New>DocumentLibraryForm</New>
-</FormTemplates>
-</file>
-
 <file path=customXml/itemProps1.xml><?xml version="1.0" encoding="utf-8"?>
 <ds:datastoreItem xmlns:ds="http://schemas.openxmlformats.org/officeDocument/2006/customXml" ds:itemID="{950072C5-DDE0-4258-BA7A-4D4B80DFA632}">
   <ds:schemaRefs>
@@ -13076,6 +13322,14 @@
 </file>
 
 <file path=customXml/itemProps2.xml><?xml version="1.0" encoding="utf-8"?>
+<ds:datastoreItem xmlns:ds="http://schemas.openxmlformats.org/officeDocument/2006/customXml" ds:itemID="{7EE8C63A-4744-4DE4-BB49-0FF0B5375C60}">
+  <ds:schemaRefs>
+    <ds:schemaRef ds:uri="http://schemas.microsoft.com/sharepoint/v3/contenttype/forms"/>
+  </ds:schemaRefs>
+</ds:datastoreItem>
+</file>
+
+<file path=customXml/itemProps3.xml><?xml version="1.0" encoding="utf-8"?>
 <ds:datastoreItem xmlns:ds="http://schemas.openxmlformats.org/officeDocument/2006/customXml" ds:itemID="{FD7FC771-7DFE-49DA-B577-71181BFBCB2E}">
   <ds:schemaRefs>
     <ds:schemaRef ds:uri="http://schemas.microsoft.com/office/2006/metadata/contentType"/>
@@ -13092,12 +13346,4 @@
     <ds:schemaRef ds:uri="http://schemas.microsoft.com/internal/obd"/>
   </ds:schemaRefs>
 </ds:datastoreItem>
-</file>
-
-<file path=customXml/itemProps3.xml><?xml version="1.0" encoding="utf-8"?>
-<ds:datastoreItem xmlns:ds="http://schemas.openxmlformats.org/officeDocument/2006/customXml" ds:itemID="{7EE8C63A-4744-4DE4-BB49-0FF0B5375C60}">
-  <ds:schemaRefs>
-    <ds:schemaRef ds:uri="http://schemas.microsoft.com/sharepoint/v3/contenttype/forms"/>
-  </ds:schemaRefs>
-</ds:datastoreItem>
 </file>